--- a/powerPoint/コンペ結果.pptx
+++ b/powerPoint/コンペ結果.pptx
@@ -107,6 +107,11 @@
       </a:defRPr>
     </a:lvl9pPr>
   </p:defaultTextStyle>
+  <p:extLst>
+    <p:ext uri="{EFAFB233-063F-42B5-8137-9DF3F51BA10A}">
+      <p15:sldGuideLst xmlns:p15="http://schemas.microsoft.com/office/powerpoint/2012/main"/>
+    </p:ext>
+  </p:extLst>
 </p:presentation>
 </file>
 
@@ -257,7 +262,7 @@
           <a:p>
             <a:fld id="{39E2B3F2-A401-4C96-9FC9-2544B5C43681}" type="datetimeFigureOut">
               <a:rPr kumimoji="1" lang="ja-JP" altLang="en-US" smtClean="0"/>
-              <a:t>2025/5/21</a:t>
+              <a:t>2025/5/22</a:t>
             </a:fld>
             <a:endParaRPr kumimoji="1" lang="ja-JP" altLang="en-US"/>
           </a:p>
@@ -487,7 +492,7 @@
           <a:p>
             <a:fld id="{39E2B3F2-A401-4C96-9FC9-2544B5C43681}" type="datetimeFigureOut">
               <a:rPr kumimoji="1" lang="ja-JP" altLang="en-US" smtClean="0"/>
-              <a:t>2025/5/21</a:t>
+              <a:t>2025/5/22</a:t>
             </a:fld>
             <a:endParaRPr kumimoji="1" lang="ja-JP" altLang="en-US"/>
           </a:p>
@@ -727,7 +732,7 @@
           <a:p>
             <a:fld id="{39E2B3F2-A401-4C96-9FC9-2544B5C43681}" type="datetimeFigureOut">
               <a:rPr kumimoji="1" lang="ja-JP" altLang="en-US" smtClean="0"/>
-              <a:t>2025/5/21</a:t>
+              <a:t>2025/5/22</a:t>
             </a:fld>
             <a:endParaRPr kumimoji="1" lang="ja-JP" altLang="en-US"/>
           </a:p>
@@ -957,7 +962,7 @@
           <a:p>
             <a:fld id="{39E2B3F2-A401-4C96-9FC9-2544B5C43681}" type="datetimeFigureOut">
               <a:rPr kumimoji="1" lang="ja-JP" altLang="en-US" smtClean="0"/>
-              <a:t>2025/5/21</a:t>
+              <a:t>2025/5/22</a:t>
             </a:fld>
             <a:endParaRPr kumimoji="1" lang="ja-JP" altLang="en-US"/>
           </a:p>
@@ -1232,7 +1237,7 @@
           <a:p>
             <a:fld id="{39E2B3F2-A401-4C96-9FC9-2544B5C43681}" type="datetimeFigureOut">
               <a:rPr kumimoji="1" lang="ja-JP" altLang="en-US" smtClean="0"/>
-              <a:t>2025/5/21</a:t>
+              <a:t>2025/5/22</a:t>
             </a:fld>
             <a:endParaRPr kumimoji="1" lang="ja-JP" altLang="en-US"/>
           </a:p>
@@ -1561,7 +1566,7 @@
           <a:p>
             <a:fld id="{39E2B3F2-A401-4C96-9FC9-2544B5C43681}" type="datetimeFigureOut">
               <a:rPr kumimoji="1" lang="ja-JP" altLang="en-US" smtClean="0"/>
-              <a:t>2025/5/21</a:t>
+              <a:t>2025/5/22</a:t>
             </a:fld>
             <a:endParaRPr kumimoji="1" lang="ja-JP" altLang="en-US"/>
           </a:p>
@@ -2037,7 +2042,7 @@
           <a:p>
             <a:fld id="{39E2B3F2-A401-4C96-9FC9-2544B5C43681}" type="datetimeFigureOut">
               <a:rPr kumimoji="1" lang="ja-JP" altLang="en-US" smtClean="0"/>
-              <a:t>2025/5/21</a:t>
+              <a:t>2025/5/22</a:t>
             </a:fld>
             <a:endParaRPr kumimoji="1" lang="ja-JP" altLang="en-US"/>
           </a:p>
@@ -2178,7 +2183,7 @@
           <a:p>
             <a:fld id="{39E2B3F2-A401-4C96-9FC9-2544B5C43681}" type="datetimeFigureOut">
               <a:rPr kumimoji="1" lang="ja-JP" altLang="en-US" smtClean="0"/>
-              <a:t>2025/5/21</a:t>
+              <a:t>2025/5/22</a:t>
             </a:fld>
             <a:endParaRPr kumimoji="1" lang="ja-JP" altLang="en-US"/>
           </a:p>
@@ -2291,7 +2296,7 @@
           <a:p>
             <a:fld id="{39E2B3F2-A401-4C96-9FC9-2544B5C43681}" type="datetimeFigureOut">
               <a:rPr kumimoji="1" lang="ja-JP" altLang="en-US" smtClean="0"/>
-              <a:t>2025/5/21</a:t>
+              <a:t>2025/5/22</a:t>
             </a:fld>
             <a:endParaRPr kumimoji="1" lang="ja-JP" altLang="en-US"/>
           </a:p>
@@ -2634,7 +2639,7 @@
           <a:p>
             <a:fld id="{39E2B3F2-A401-4C96-9FC9-2544B5C43681}" type="datetimeFigureOut">
               <a:rPr kumimoji="1" lang="ja-JP" altLang="en-US" smtClean="0"/>
-              <a:t>2025/5/21</a:t>
+              <a:t>2025/5/22</a:t>
             </a:fld>
             <a:endParaRPr kumimoji="1" lang="ja-JP" altLang="en-US"/>
           </a:p>
@@ -2922,7 +2927,7 @@
           <a:p>
             <a:fld id="{39E2B3F2-A401-4C96-9FC9-2544B5C43681}" type="datetimeFigureOut">
               <a:rPr kumimoji="1" lang="ja-JP" altLang="en-US" smtClean="0"/>
-              <a:t>2025/5/21</a:t>
+              <a:t>2025/5/22</a:t>
             </a:fld>
             <a:endParaRPr kumimoji="1" lang="ja-JP" altLang="en-US"/>
           </a:p>
@@ -3195,7 +3200,7 @@
           <a:p>
             <a:fld id="{39E2B3F2-A401-4C96-9FC9-2544B5C43681}" type="datetimeFigureOut">
               <a:rPr kumimoji="1" lang="ja-JP" altLang="en-US" smtClean="0"/>
-              <a:t>2025/5/21</a:t>
+              <a:t>2025/5/22</a:t>
             </a:fld>
             <a:endParaRPr kumimoji="1" lang="ja-JP" altLang="en-US"/>
           </a:p>
@@ -3749,78 +3754,97 @@
         </p:nvSpPr>
         <p:spPr/>
         <p:txBody>
-          <a:bodyPr/>
-          <a:lstStyle/>
-          <a:p>
-            <a:r>
-              <a:rPr lang="ja-JP" altLang="en-US" dirty="0"/>
+          <a:bodyPr>
+            <a:normAutofit/>
+          </a:bodyPr>
+          <a:lstStyle/>
+          <a:p>
+            <a:r>
+              <a:rPr lang="ja-JP" altLang="en-US" sz="2400" dirty="0"/>
               <a:t>バッチサイズ：</a:t>
             </a:r>
             <a:r>
-              <a:rPr lang="en-US" altLang="ja-JP" dirty="0"/>
+              <a:rPr lang="en-US" altLang="ja-JP" sz="2400" dirty="0"/>
               <a:t>128</a:t>
             </a:r>
           </a:p>
           <a:p>
             <a:r>
-              <a:rPr kumimoji="1" lang="ja-JP" altLang="en-US" dirty="0"/>
+              <a:rPr kumimoji="1" lang="ja-JP" altLang="en-US" sz="2400" dirty="0"/>
               <a:t>エポック数：８</a:t>
             </a:r>
-            <a:endParaRPr kumimoji="1" lang="en-US" altLang="ja-JP" dirty="0"/>
-          </a:p>
-          <a:p>
-            <a:r>
-              <a:rPr kumimoji="1" lang="ja-JP" altLang="en-US" dirty="0"/>
+            <a:endParaRPr kumimoji="1" lang="en-US" altLang="ja-JP" sz="2400" dirty="0"/>
+          </a:p>
+          <a:p>
+            <a:r>
+              <a:rPr kumimoji="1" lang="ja-JP" altLang="en-US" sz="2400" dirty="0"/>
               <a:t>学習率：</a:t>
             </a:r>
             <a:r>
-              <a:rPr kumimoji="1" lang="en-US" altLang="ja-JP" dirty="0"/>
+              <a:rPr kumimoji="1" lang="en-US" altLang="ja-JP" sz="2400" dirty="0"/>
               <a:t>0.001</a:t>
             </a:r>
           </a:p>
           <a:p>
             <a:r>
-              <a:rPr kumimoji="1" lang="ja-JP" altLang="en-US" dirty="0"/>
+              <a:rPr kumimoji="1" lang="ja-JP" altLang="en-US" sz="2400" dirty="0"/>
               <a:t>モデル：</a:t>
             </a:r>
             <a:r>
-              <a:rPr kumimoji="1" lang="en-US" altLang="ja-JP" dirty="0"/>
+              <a:rPr kumimoji="1" lang="en-US" altLang="ja-JP" sz="2400" dirty="0"/>
               <a:t>resnet18(</a:t>
             </a:r>
             <a:r>
-              <a:rPr kumimoji="1" lang="ja-JP" altLang="en-US" dirty="0"/>
+              <a:rPr kumimoji="1" lang="ja-JP" altLang="en-US" sz="2400" dirty="0"/>
               <a:t>事前訓練済み</a:t>
             </a:r>
             <a:r>
-              <a:rPr kumimoji="1" lang="en-US" altLang="ja-JP" dirty="0"/>
+              <a:rPr kumimoji="1" lang="en-US" altLang="ja-JP" sz="2400" dirty="0"/>
               <a:t>)</a:t>
             </a:r>
             <a:r>
-              <a:rPr kumimoji="1" lang="ja-JP" altLang="en-US" dirty="0"/>
+              <a:rPr kumimoji="1" lang="ja-JP" altLang="en-US" sz="2400" dirty="0"/>
               <a:t>を転移学習</a:t>
             </a:r>
-            <a:endParaRPr kumimoji="1" lang="en-US" altLang="ja-JP" dirty="0"/>
-          </a:p>
-          <a:p>
-            <a:r>
-              <a:rPr lang="ja-JP" altLang="en-US" dirty="0"/>
+            <a:endParaRPr kumimoji="1" lang="en-US" altLang="ja-JP" sz="2400" dirty="0"/>
+          </a:p>
+          <a:p>
+            <a:r>
+              <a:rPr lang="ja-JP" altLang="en-US" sz="2400" dirty="0"/>
               <a:t>全結合層にドロップアウト層を追加</a:t>
             </a:r>
-            <a:endParaRPr lang="en-US" altLang="ja-JP" dirty="0"/>
-          </a:p>
-          <a:p>
-            <a:r>
-              <a:rPr kumimoji="1" lang="ja-JP" altLang="en-US" dirty="0"/>
+            <a:endParaRPr lang="en-US" altLang="ja-JP" sz="2400" dirty="0"/>
+          </a:p>
+          <a:p>
+            <a:r>
+              <a:rPr kumimoji="1" lang="ja-JP" altLang="en-US" sz="2400" dirty="0"/>
               <a:t>最適化アルゴリズム：</a:t>
             </a:r>
             <a:r>
-              <a:rPr kumimoji="1" lang="en-US" altLang="ja-JP" dirty="0" err="1"/>
+              <a:rPr kumimoji="1" lang="en-US" altLang="ja-JP" sz="2400" dirty="0" err="1"/>
               <a:t>AdamW</a:t>
             </a:r>
-            <a:endParaRPr kumimoji="1" lang="en-US" altLang="ja-JP" sz="2700" dirty="0"/>
-          </a:p>
-          <a:p>
-            <a:endParaRPr kumimoji="1" lang="ja-JP" altLang="en-US" sz="2700" dirty="0"/>
+            <a:endParaRPr kumimoji="1" lang="en-US" altLang="ja-JP" sz="2400" dirty="0"/>
+          </a:p>
+          <a:p>
+            <a:endParaRPr lang="en-US" altLang="ja-JP" sz="2400" dirty="0"/>
+          </a:p>
+          <a:p>
+            <a:r>
+              <a:rPr lang="ja-JP" altLang="en-US" sz="2400" dirty="0"/>
+              <a:t>回転処理のみ追加</a:t>
+            </a:r>
+            <a:endParaRPr lang="en-US" altLang="ja-JP" sz="2400" dirty="0"/>
+          </a:p>
+          <a:p>
+            <a:r>
+              <a:rPr kumimoji="1" lang="ja-JP" altLang="en-US" sz="2400" dirty="0"/>
+              <a:t>クリッピングを前処理に含めると精度が悪くなった</a:t>
+            </a:r>
+            <a:endParaRPr kumimoji="1" lang="en-US" altLang="ja-JP" sz="2400" dirty="0"/>
+          </a:p>
+          <a:p>
+            <a:endParaRPr kumimoji="1" lang="ja-JP" altLang="en-US" sz="2400" dirty="0"/>
           </a:p>
         </p:txBody>
       </p:sp>
